--- a/2d게임프로그래밍_2012182036_정수영.pptx
+++ b/2d게임프로그래밍_2012182036_정수영.pptx
@@ -147,7 +147,7 @@
   </p:defaultTextStyle>
   <p:extLst>
     <p:ext uri="{EFAFB233-063F-42B5-8137-9DF3F51BA10A}">
-      <p15:sldGuideLst xmlns="" xmlns:p15="http://schemas.microsoft.com/office/powerpoint/2012/main">
+      <p15:sldGuideLst xmlns:p15="http://schemas.microsoft.com/office/powerpoint/2012/main" xmlns="">
         <p15:guide id="1" orient="horz" pos="2160">
           <p15:clr>
             <a:srgbClr val="A4A3A4"/>
@@ -276,7 +276,7 @@
               <a:pPr>
                 <a:defRPr/>
               </a:pPr>
-              <a:t>19/09/2015</a:t>
+              <a:t>25/10/2015</a:t>
             </a:fld>
             <a:endParaRPr lang="en-GB"/>
           </a:p>
@@ -2035,7 +2035,7 @@
               <a:pPr>
                 <a:defRPr/>
               </a:pPr>
-              <a:t>19/09/2015</a:t>
+              <a:t>25/10/2015</a:t>
             </a:fld>
             <a:endParaRPr lang="en-GB"/>
           </a:p>
@@ -2232,7 +2232,7 @@
               <a:pPr>
                 <a:defRPr/>
               </a:pPr>
-              <a:t>19/09/2015</a:t>
+              <a:t>25/10/2015</a:t>
             </a:fld>
             <a:endParaRPr lang="en-GB"/>
           </a:p>
@@ -2439,7 +2439,7 @@
               <a:pPr>
                 <a:defRPr/>
               </a:pPr>
-              <a:t>19/09/2015</a:t>
+              <a:t>25/10/2015</a:t>
             </a:fld>
             <a:endParaRPr lang="en-GB"/>
           </a:p>
@@ -2636,7 +2636,7 @@
               <a:pPr>
                 <a:defRPr/>
               </a:pPr>
-              <a:t>19/09/2015</a:t>
+              <a:t>25/10/2015</a:t>
             </a:fld>
             <a:endParaRPr lang="en-GB"/>
           </a:p>
@@ -2909,7 +2909,7 @@
               <a:pPr>
                 <a:defRPr/>
               </a:pPr>
-              <a:t>19/09/2015</a:t>
+              <a:t>25/10/2015</a:t>
             </a:fld>
             <a:endParaRPr lang="en-GB"/>
           </a:p>
@@ -3224,7 +3224,7 @@
               <a:pPr>
                 <a:defRPr/>
               </a:pPr>
-              <a:t>19/09/2015</a:t>
+              <a:t>25/10/2015</a:t>
             </a:fld>
             <a:endParaRPr lang="en-GB"/>
           </a:p>
@@ -3673,7 +3673,7 @@
               <a:pPr>
                 <a:defRPr/>
               </a:pPr>
-              <a:t>19/09/2015</a:t>
+              <a:t>25/10/2015</a:t>
             </a:fld>
             <a:endParaRPr lang="en-GB"/>
           </a:p>
@@ -3818,7 +3818,7 @@
               <a:pPr>
                 <a:defRPr/>
               </a:pPr>
-              <a:t>19/09/2015</a:t>
+              <a:t>25/10/2015</a:t>
             </a:fld>
             <a:endParaRPr lang="en-GB"/>
           </a:p>
@@ -3940,7 +3940,7 @@
               <a:pPr>
                 <a:defRPr/>
               </a:pPr>
-              <a:t>19/09/2015</a:t>
+              <a:t>25/10/2015</a:t>
             </a:fld>
             <a:endParaRPr lang="en-GB"/>
           </a:p>
@@ -4244,7 +4244,7 @@
               <a:pPr>
                 <a:defRPr/>
               </a:pPr>
-              <a:t>19/09/2015</a:t>
+              <a:t>25/10/2015</a:t>
             </a:fld>
             <a:endParaRPr lang="en-GB"/>
           </a:p>
@@ -4527,7 +4527,7 @@
               <a:pPr>
                 <a:defRPr/>
               </a:pPr>
-              <a:t>19/09/2015</a:t>
+              <a:t>25/10/2015</a:t>
             </a:fld>
             <a:endParaRPr lang="en-GB"/>
           </a:p>
@@ -4894,7 +4894,7 @@
               <a:pPr>
                 <a:defRPr/>
               </a:pPr>
-              <a:t>19/09/2015</a:t>
+              <a:t>25/10/2015</a:t>
             </a:fld>
             <a:endParaRPr lang="en-GB"/>
           </a:p>
@@ -5524,12 +5524,20 @@
               </a:rPr>
             </a:br>
             <a:r>
-              <a:rPr lang="en-US" altLang="ko-KR" dirty="0">
+              <a:rPr lang="en-US" altLang="ko-KR" dirty="0" smtClean="0">
                 <a:solidFill>
                   <a:schemeClr val="accent2"/>
                 </a:solidFill>
               </a:rPr>
-              <a:t>1</a:t>
+              <a:t>2</a:t>
+            </a:r>
+            <a:r>
+              <a:rPr lang="ko-KR" altLang="en-US" dirty="0" smtClean="0">
+                <a:solidFill>
+                  <a:schemeClr val="accent2"/>
+                </a:solidFill>
+              </a:rPr>
+              <a:t>차 </a:t>
             </a:r>
             <a:r>
               <a:rPr lang="ko-KR" altLang="en-US" dirty="0">
@@ -5537,7 +5545,7 @@
                   <a:schemeClr val="accent2"/>
                 </a:solidFill>
               </a:rPr>
-              <a:t>차 발표 </a:t>
+              <a:t>발표 </a:t>
             </a:r>
             <a:r>
               <a:rPr lang="en-US" altLang="ko-KR" dirty="0" smtClean="0">
@@ -5568,7 +5576,15 @@
                   <a:schemeClr val="accent2"/>
                 </a:solidFill>
               </a:rPr>
-              <a:t>정  수 영</a:t>
+              <a:t>정  수 </a:t>
+            </a:r>
+            <a:r>
+              <a:rPr lang="ko-KR" altLang="en-US" dirty="0" smtClean="0">
+                <a:solidFill>
+                  <a:schemeClr val="accent2"/>
+                </a:solidFill>
+              </a:rPr>
+              <a:t> 영</a:t>
             </a:r>
             <a:r>
               <a:rPr lang="en-US" altLang="ko-KR" dirty="0">
